--- a/docs/kuleuven.gbiomed.LaBGAS.SynapsWP2.v1/CPAInstructions_EN.pptx
+++ b/docs/kuleuven.gbiomed.LaBGAS.SynapsWP2.v1/CPAInstructions_EN.pptx
@@ -5,12 +5,13 @@
     <p:sldMasterId id="2147483648" r:id="rId1"/>
   </p:sldMasterIdLst>
   <p:notesMasterIdLst>
-    <p:notesMasterId r:id="rId5"/>
+    <p:notesMasterId r:id="rId6"/>
   </p:notesMasterIdLst>
   <p:sldIdLst>
     <p:sldId id="256" r:id="rId2"/>
     <p:sldId id="258" r:id="rId3"/>
     <p:sldId id="259" r:id="rId4"/>
+    <p:sldId id="260" r:id="rId5"/>
   </p:sldIdLst>
   <p:sldSz cx="12192000" cy="6858000"/>
   <p:notesSz cx="6858000" cy="9144000"/>
@@ -199,7 +200,7 @@
           <a:p>
             <a:fld id="{9597641E-1FEC-4D17-ABE5-FD3DD377A8DB}" type="datetimeFigureOut">
               <a:rPr lang="en-DK" smtClean="0"/>
-              <a:t>14/03/2025</a:t>
+              <a:t>15/04/2025</a:t>
             </a:fld>
             <a:endParaRPr lang="en-DK"/>
           </a:p>
@@ -818,7 +819,7 @@
                 <a:effectLst/>
                 <a:latin typeface="Fira Code" pitchFamily="1" charset="0"/>
               </a:rPr>
-              <a:t>CPM.png</a:t>
+              <a:t>HOT.png</a:t>
             </a:r>
             <a:endParaRPr lang="en-GB" b="0" dirty="0">
               <a:solidFill>
@@ -866,6 +867,150 @@
     <p:extLst>
       <p:ext uri="{BB962C8B-B14F-4D97-AF65-F5344CB8AC3E}">
         <p14:creationId xmlns:p14="http://schemas.microsoft.com/office/powerpoint/2010/main" val="1798943838"/>
+      </p:ext>
+    </p:extLst>
+  </p:cSld>
+  <p:clrMapOvr>
+    <a:masterClrMapping/>
+  </p:clrMapOvr>
+</p:notes>
+</file>
+
+<file path=ppt/notesSlides/notesSlide4.xml><?xml version="1.0" encoding="utf-8"?>
+<p:notes xmlns:a="http://schemas.openxmlformats.org/drawingml/2006/main" xmlns:r="http://schemas.openxmlformats.org/officeDocument/2006/relationships" xmlns:p="http://schemas.openxmlformats.org/presentationml/2006/main">
+  <p:cSld>
+    <p:spTree>
+      <p:nvGrpSpPr>
+        <p:cNvPr id="1" name="">
+          <a:extLst>
+            <a:ext uri="{FF2B5EF4-FFF2-40B4-BE49-F238E27FC236}">
+              <a16:creationId xmlns:a16="http://schemas.microsoft.com/office/drawing/2014/main" id="{756EA81E-E674-416D-7FC6-FBC838CD569D}"/>
+            </a:ext>
+          </a:extLst>
+        </p:cNvPr>
+        <p:cNvGrpSpPr/>
+        <p:nvPr/>
+      </p:nvGrpSpPr>
+      <p:grpSpPr>
+        <a:xfrm>
+          <a:off x="0" y="0"/>
+          <a:ext cx="0" cy="0"/>
+          <a:chOff x="0" y="0"/>
+          <a:chExt cx="0" cy="0"/>
+        </a:xfrm>
+      </p:grpSpPr>
+      <p:sp>
+        <p:nvSpPr>
+          <p:cNvPr id="2" name="Slide Image Placeholder 1">
+            <a:extLst>
+              <a:ext uri="{FF2B5EF4-FFF2-40B4-BE49-F238E27FC236}">
+                <a16:creationId xmlns:a16="http://schemas.microsoft.com/office/drawing/2014/main" id="{6A1259EA-6754-9F8B-AEFD-898A58B8B303}"/>
+              </a:ext>
+            </a:extLst>
+          </p:cNvPr>
+          <p:cNvSpPr>
+            <a:spLocks noGrp="1" noRot="1" noChangeAspect="1"/>
+          </p:cNvSpPr>
+          <p:nvPr>
+            <p:ph type="sldImg"/>
+          </p:nvPr>
+        </p:nvSpPr>
+        <p:spPr/>
+      </p:sp>
+      <p:sp>
+        <p:nvSpPr>
+          <p:cNvPr id="3" name="Notes Placeholder 2">
+            <a:extLst>
+              <a:ext uri="{FF2B5EF4-FFF2-40B4-BE49-F238E27FC236}">
+                <a16:creationId xmlns:a16="http://schemas.microsoft.com/office/drawing/2014/main" id="{AC0D95B4-B914-3CE4-BA27-A3590E7B3EA0}"/>
+              </a:ext>
+            </a:extLst>
+          </p:cNvPr>
+          <p:cNvSpPr>
+            <a:spLocks noGrp="1"/>
+          </p:cNvSpPr>
+          <p:nvPr>
+            <p:ph type="body" idx="1"/>
+          </p:nvPr>
+        </p:nvSpPr>
+        <p:spPr/>
+        <p:txBody>
+          <a:bodyPr/>
+          <a:lstStyle/>
+          <a:p>
+            <a:pPr marL="0" marR="0" lvl="0" indent="0" algn="l" defTabSz="914400" rtl="0" eaLnBrk="1" fontAlgn="auto" latinLnBrk="0" hangingPunct="1">
+              <a:lnSpc>
+                <a:spcPct val="100000"/>
+              </a:lnSpc>
+              <a:spcBef>
+                <a:spcPts val="0"/>
+              </a:spcBef>
+              <a:spcAft>
+                <a:spcPts val="0"/>
+              </a:spcAft>
+              <a:buClrTx/>
+              <a:buSzTx/>
+              <a:buFontTx/>
+              <a:buNone/>
+              <a:tabLst/>
+              <a:defRPr/>
+            </a:pPr>
+            <a:r>
+              <a:rPr lang="en-GB" b="0" dirty="0">
+                <a:solidFill>
+                  <a:srgbClr val="CE9178"/>
+                </a:solidFill>
+                <a:effectLst/>
+                <a:latin typeface="Fira Code" pitchFamily="1" charset="0"/>
+              </a:rPr>
+              <a:t>CPM.png</a:t>
+            </a:r>
+            <a:endParaRPr lang="en-GB" b="0" dirty="0">
+              <a:solidFill>
+                <a:srgbClr val="D4D4D4"/>
+              </a:solidFill>
+              <a:effectLst/>
+              <a:latin typeface="Fira Code" pitchFamily="1" charset="0"/>
+            </a:endParaRPr>
+          </a:p>
+          <a:p>
+            <a:endParaRPr lang="en-DK" dirty="0"/>
+          </a:p>
+        </p:txBody>
+      </p:sp>
+      <p:sp>
+        <p:nvSpPr>
+          <p:cNvPr id="4" name="Slide Number Placeholder 3">
+            <a:extLst>
+              <a:ext uri="{FF2B5EF4-FFF2-40B4-BE49-F238E27FC236}">
+                <a16:creationId xmlns:a16="http://schemas.microsoft.com/office/drawing/2014/main" id="{CE447FD0-C8BF-7A95-7286-ACFF60339581}"/>
+              </a:ext>
+            </a:extLst>
+          </p:cNvPr>
+          <p:cNvSpPr>
+            <a:spLocks noGrp="1"/>
+          </p:cNvSpPr>
+          <p:nvPr>
+            <p:ph type="sldNum" sz="quarter" idx="5"/>
+          </p:nvPr>
+        </p:nvSpPr>
+        <p:spPr/>
+        <p:txBody>
+          <a:bodyPr/>
+          <a:lstStyle/>
+          <a:p>
+            <a:fld id="{BAC487C0-0654-45DF-9D5A-54C128884D5E}" type="slidenum">
+              <a:rPr lang="en-DK" smtClean="0"/>
+              <a:t>4</a:t>
+            </a:fld>
+            <a:endParaRPr lang="en-DK"/>
+          </a:p>
+        </p:txBody>
+      </p:sp>
+    </p:spTree>
+    <p:extLst>
+      <p:ext uri="{BB962C8B-B14F-4D97-AF65-F5344CB8AC3E}">
+        <p14:creationId xmlns:p14="http://schemas.microsoft.com/office/powerpoint/2010/main" val="2508945077"/>
       </p:ext>
     </p:extLst>
   </p:cSld>
@@ -1024,7 +1169,7 @@
           <a:p>
             <a:fld id="{FD945BFA-2589-44DD-9174-8BD10EC1EAAD}" type="datetimeFigureOut">
               <a:rPr lang="en-DK" smtClean="0"/>
-              <a:t>14/03/2025</a:t>
+              <a:t>15/04/2025</a:t>
             </a:fld>
             <a:endParaRPr lang="en-DK"/>
           </a:p>
@@ -1224,7 +1369,7 @@
           <a:p>
             <a:fld id="{FD945BFA-2589-44DD-9174-8BD10EC1EAAD}" type="datetimeFigureOut">
               <a:rPr lang="en-DK" smtClean="0"/>
-              <a:t>14/03/2025</a:t>
+              <a:t>15/04/2025</a:t>
             </a:fld>
             <a:endParaRPr lang="en-DK"/>
           </a:p>
@@ -1434,7 +1579,7 @@
           <a:p>
             <a:fld id="{FD945BFA-2589-44DD-9174-8BD10EC1EAAD}" type="datetimeFigureOut">
               <a:rPr lang="en-DK" smtClean="0"/>
-              <a:t>14/03/2025</a:t>
+              <a:t>15/04/2025</a:t>
             </a:fld>
             <a:endParaRPr lang="en-DK"/>
           </a:p>
@@ -1634,7 +1779,7 @@
           <a:p>
             <a:fld id="{FD945BFA-2589-44DD-9174-8BD10EC1EAAD}" type="datetimeFigureOut">
               <a:rPr lang="en-DK" smtClean="0"/>
-              <a:t>14/03/2025</a:t>
+              <a:t>15/04/2025</a:t>
             </a:fld>
             <a:endParaRPr lang="en-DK"/>
           </a:p>
@@ -1910,7 +2055,7 @@
           <a:p>
             <a:fld id="{FD945BFA-2589-44DD-9174-8BD10EC1EAAD}" type="datetimeFigureOut">
               <a:rPr lang="en-DK" smtClean="0"/>
-              <a:t>14/03/2025</a:t>
+              <a:t>15/04/2025</a:t>
             </a:fld>
             <a:endParaRPr lang="en-DK"/>
           </a:p>
@@ -2178,7 +2323,7 @@
           <a:p>
             <a:fld id="{FD945BFA-2589-44DD-9174-8BD10EC1EAAD}" type="datetimeFigureOut">
               <a:rPr lang="en-DK" smtClean="0"/>
-              <a:t>14/03/2025</a:t>
+              <a:t>15/04/2025</a:t>
             </a:fld>
             <a:endParaRPr lang="en-DK"/>
           </a:p>
@@ -2593,7 +2738,7 @@
           <a:p>
             <a:fld id="{FD945BFA-2589-44DD-9174-8BD10EC1EAAD}" type="datetimeFigureOut">
               <a:rPr lang="en-DK" smtClean="0"/>
-              <a:t>14/03/2025</a:t>
+              <a:t>15/04/2025</a:t>
             </a:fld>
             <a:endParaRPr lang="en-DK"/>
           </a:p>
@@ -2735,7 +2880,7 @@
           <a:p>
             <a:fld id="{FD945BFA-2589-44DD-9174-8BD10EC1EAAD}" type="datetimeFigureOut">
               <a:rPr lang="en-DK" smtClean="0"/>
-              <a:t>14/03/2025</a:t>
+              <a:t>15/04/2025</a:t>
             </a:fld>
             <a:endParaRPr lang="en-DK"/>
           </a:p>
@@ -2848,7 +2993,7 @@
           <a:p>
             <a:fld id="{FD945BFA-2589-44DD-9174-8BD10EC1EAAD}" type="datetimeFigureOut">
               <a:rPr lang="en-DK" smtClean="0"/>
-              <a:t>14/03/2025</a:t>
+              <a:t>15/04/2025</a:t>
             </a:fld>
             <a:endParaRPr lang="en-DK"/>
           </a:p>
@@ -3161,7 +3306,7 @@
           <a:p>
             <a:fld id="{FD945BFA-2589-44DD-9174-8BD10EC1EAAD}" type="datetimeFigureOut">
               <a:rPr lang="en-DK" smtClean="0"/>
-              <a:t>14/03/2025</a:t>
+              <a:t>15/04/2025</a:t>
             </a:fld>
             <a:endParaRPr lang="en-DK"/>
           </a:p>
@@ -3450,7 +3595,7 @@
           <a:p>
             <a:fld id="{FD945BFA-2589-44DD-9174-8BD10EC1EAAD}" type="datetimeFigureOut">
               <a:rPr lang="en-DK" smtClean="0"/>
-              <a:t>14/03/2025</a:t>
+              <a:t>15/04/2025</a:t>
             </a:fld>
             <a:endParaRPr lang="en-DK"/>
           </a:p>
@@ -3693,7 +3838,7 @@
           <a:p>
             <a:fld id="{FD945BFA-2589-44DD-9174-8BD10EC1EAAD}" type="datetimeFigureOut">
               <a:rPr lang="en-DK" smtClean="0"/>
-              <a:t>14/03/2025</a:t>
+              <a:t>15/04/2025</a:t>
             </a:fld>
             <a:endParaRPr lang="en-DK"/>
           </a:p>
@@ -4570,6 +4715,164 @@
     <p:extLst>
       <p:ext uri="{BB962C8B-B14F-4D97-AF65-F5344CB8AC3E}">
         <p14:creationId xmlns:p14="http://schemas.microsoft.com/office/powerpoint/2010/main" val="4154826532"/>
+      </p:ext>
+    </p:extLst>
+  </p:cSld>
+  <p:clrMapOvr>
+    <a:masterClrMapping/>
+  </p:clrMapOvr>
+</p:sld>
+</file>
+
+<file path=ppt/slides/slide4.xml><?xml version="1.0" encoding="utf-8"?>
+<p:sld xmlns:a="http://schemas.openxmlformats.org/drawingml/2006/main" xmlns:r="http://schemas.openxmlformats.org/officeDocument/2006/relationships" xmlns:p="http://schemas.openxmlformats.org/presentationml/2006/main">
+  <p:cSld>
+    <p:spTree>
+      <p:nvGrpSpPr>
+        <p:cNvPr id="1" name="">
+          <a:extLst>
+            <a:ext uri="{FF2B5EF4-FFF2-40B4-BE49-F238E27FC236}">
+              <a16:creationId xmlns:a16="http://schemas.microsoft.com/office/drawing/2014/main" id="{0AE905F2-B378-31C2-4600-E6CC3629D428}"/>
+            </a:ext>
+          </a:extLst>
+        </p:cNvPr>
+        <p:cNvGrpSpPr/>
+        <p:nvPr/>
+      </p:nvGrpSpPr>
+      <p:grpSpPr>
+        <a:xfrm>
+          <a:off x="0" y="0"/>
+          <a:ext cx="0" cy="0"/>
+          <a:chOff x="0" y="0"/>
+          <a:chExt cx="0" cy="0"/>
+        </a:xfrm>
+      </p:grpSpPr>
+      <p:sp>
+        <p:nvSpPr>
+          <p:cNvPr id="5" name="TextBox 4">
+            <a:extLst>
+              <a:ext uri="{FF2B5EF4-FFF2-40B4-BE49-F238E27FC236}">
+                <a16:creationId xmlns:a16="http://schemas.microsoft.com/office/drawing/2014/main" id="{2ECA7D27-FC7F-896B-1956-E3EA04103719}"/>
+              </a:ext>
+            </a:extLst>
+          </p:cNvPr>
+          <p:cNvSpPr txBox="1"/>
+          <p:nvPr/>
+        </p:nvSpPr>
+        <p:spPr>
+          <a:xfrm>
+            <a:off x="0" y="0"/>
+            <a:ext cx="12192000" cy="2385653"/>
+          </a:xfrm>
+          <a:prstGeom prst="rect">
+            <a:avLst/>
+          </a:prstGeom>
+          <a:noFill/>
+        </p:spPr>
+        <p:txBody>
+          <a:bodyPr wrap="square">
+            <a:spAutoFit/>
+          </a:bodyPr>
+          <a:lstStyle/>
+          <a:p>
+            <a:pPr algn="ctr">
+              <a:lnSpc>
+                <a:spcPct val="107000"/>
+              </a:lnSpc>
+              <a:spcAft>
+                <a:spcPts val="800"/>
+              </a:spcAft>
+            </a:pPr>
+            <a:r>
+              <a:rPr lang="en-GB" sz="4400" b="1" kern="100" dirty="0">
+                <a:effectLst/>
+                <a:latin typeface="Calibri" panose="020F0502020204030204" pitchFamily="34" charset="0"/>
+                <a:ea typeface="Times New Roman" panose="02020603050405020304" pitchFamily="18" charset="0"/>
+                <a:cs typeface="Times New Roman" panose="02020603050405020304" pitchFamily="18" charset="0"/>
+              </a:rPr>
+              <a:t>Conditioned Pain Modulation</a:t>
+            </a:r>
+            <a:endParaRPr lang="en-DK" sz="1400" kern="100" dirty="0">
+              <a:effectLst/>
+              <a:latin typeface="Calibri" panose="020F0502020204030204" pitchFamily="34" charset="0"/>
+              <a:ea typeface="Times New Roman" panose="02020603050405020304" pitchFamily="18" charset="0"/>
+              <a:cs typeface="Times New Roman" panose="02020603050405020304" pitchFamily="18" charset="0"/>
+            </a:endParaRPr>
+          </a:p>
+          <a:p>
+            <a:pPr algn="ctr">
+              <a:lnSpc>
+                <a:spcPct val="107000"/>
+              </a:lnSpc>
+              <a:spcAft>
+                <a:spcPts val="800"/>
+              </a:spcAft>
+            </a:pPr>
+            <a:r>
+              <a:rPr lang="en-GB" sz="1400" kern="100" dirty="0">
+                <a:effectLst/>
+                <a:latin typeface="Calibri" panose="020F0502020204030204" pitchFamily="34" charset="0"/>
+                <a:ea typeface="Times New Roman" panose="02020603050405020304" pitchFamily="18" charset="0"/>
+                <a:cs typeface="Times New Roman" panose="02020603050405020304" pitchFamily="18" charset="0"/>
+              </a:rPr>
+              <a:t> </a:t>
+            </a:r>
+            <a:endParaRPr lang="en-DK" sz="1400" kern="100" dirty="0">
+              <a:effectLst/>
+              <a:latin typeface="Calibri" panose="020F0502020204030204" pitchFamily="34" charset="0"/>
+              <a:ea typeface="Times New Roman" panose="02020603050405020304" pitchFamily="18" charset="0"/>
+              <a:cs typeface="Times New Roman" panose="02020603050405020304" pitchFamily="18" charset="0"/>
+            </a:endParaRPr>
+          </a:p>
+          <a:p>
+            <a:pPr>
+              <a:lnSpc>
+                <a:spcPct val="107000"/>
+              </a:lnSpc>
+              <a:spcAft>
+                <a:spcPts val="800"/>
+              </a:spcAft>
+            </a:pPr>
+            <a:r>
+              <a:rPr lang="en-GB" sz="3200" kern="100" dirty="0">
+                <a:effectLst/>
+                <a:latin typeface="Calibri" panose="020F0502020204030204" pitchFamily="34" charset="0"/>
+                <a:ea typeface="Times New Roman" panose="02020603050405020304" pitchFamily="18" charset="0"/>
+                <a:cs typeface="Times New Roman" panose="02020603050405020304" pitchFamily="18" charset="0"/>
+              </a:rPr>
+              <a:t>Remove hand from water</a:t>
+            </a:r>
+          </a:p>
+          <a:p>
+            <a:pPr>
+              <a:lnSpc>
+                <a:spcPct val="107000"/>
+              </a:lnSpc>
+              <a:spcAft>
+                <a:spcPts val="800"/>
+              </a:spcAft>
+            </a:pPr>
+            <a:r>
+              <a:rPr lang="en-GB" sz="3200" kern="100" dirty="0">
+                <a:latin typeface="Calibri" panose="020F0502020204030204" pitchFamily="34" charset="0"/>
+                <a:ea typeface="Times New Roman" panose="02020603050405020304" pitchFamily="18" charset="0"/>
+                <a:cs typeface="Times New Roman" panose="02020603050405020304" pitchFamily="18" charset="0"/>
+              </a:rPr>
+              <a:t>Set the slider to 0</a:t>
+            </a:r>
+            <a:endParaRPr lang="en-DK" sz="1400" kern="100" dirty="0">
+              <a:effectLst/>
+              <a:latin typeface="Calibri" panose="020F0502020204030204" pitchFamily="34" charset="0"/>
+              <a:ea typeface="Times New Roman" panose="02020603050405020304" pitchFamily="18" charset="0"/>
+              <a:cs typeface="Times New Roman" panose="02020603050405020304" pitchFamily="18" charset="0"/>
+            </a:endParaRPr>
+          </a:p>
+        </p:txBody>
+      </p:sp>
+    </p:spTree>
+    <p:extLst>
+      <p:ext uri="{BB962C8B-B14F-4D97-AF65-F5344CB8AC3E}">
+        <p14:creationId xmlns:p14="http://schemas.microsoft.com/office/powerpoint/2010/main" val="1261733582"/>
       </p:ext>
     </p:extLst>
   </p:cSld>
